--- a/REKAPITULASI/PPT-VOS-CITATION.pptx
+++ b/REKAPITULASI/PPT-VOS-CITATION.pptx
@@ -1863,7 +1863,7 @@
       </p:grpSpPr>
       <p:sp>
         <p:nvSpPr>
-          <p:cNvPr id="49" name="CustomShape 1"/>
+          <p:cNvPr id="55" name="CustomShape 1"/>
           <p:cNvSpPr/>
           <p:nvPr/>
         </p:nvSpPr>
@@ -1904,7 +1904,7 @@
                 <a:latin typeface="Arial"/>
                 <a:ea typeface="DejaVu Sans"/>
               </a:rPr>
-              <a:t>CO-AUTHORSHIP BERDASARKAN NEGARA</a:t>
+              <a:t>CITATION BERDASARKAN NEGARA</a:t>
             </a:r>
             <a:endParaRPr b="0" lang="en-ID" sz="4400" spc="-1" strike="noStrike">
               <a:latin typeface="Arial"/>
@@ -1944,7 +1944,7 @@
       </p:grpSpPr>
       <p:sp>
         <p:nvSpPr>
-          <p:cNvPr id="50" name="CustomShape 1"/>
+          <p:cNvPr id="56" name="CustomShape 1"/>
           <p:cNvSpPr/>
           <p:nvPr/>
         </p:nvSpPr>
@@ -1993,6 +1993,29 @@
           </a:p>
         </p:txBody>
       </p:sp>
+      <p:pic>
+        <p:nvPicPr>
+          <p:cNvPr id="57" name="" descr=""/>
+          <p:cNvPicPr/>
+          <p:nvPr/>
+        </p:nvPicPr>
+        <p:blipFill>
+          <a:blip r:embed="rId1"/>
+          <a:stretch/>
+        </p:blipFill>
+        <p:spPr>
+          <a:xfrm>
+            <a:off x="2233080" y="-360"/>
+            <a:ext cx="5602320" cy="5670360"/>
+          </a:xfrm>
+          <a:prstGeom prst="rect">
+            <a:avLst/>
+          </a:prstGeom>
+          <a:ln>
+            <a:noFill/>
+          </a:ln>
+        </p:spPr>
+      </p:pic>
     </p:spTree>
   </p:cSld>
   <mc:AlternateContent>
@@ -2025,7 +2048,7 @@
       </p:grpSpPr>
       <p:sp>
         <p:nvSpPr>
-          <p:cNvPr id="51" name="CustomShape 1"/>
+          <p:cNvPr id="58" name="CustomShape 1"/>
           <p:cNvSpPr/>
           <p:nvPr/>
         </p:nvSpPr>
@@ -2074,6 +2097,29 @@
           </a:p>
         </p:txBody>
       </p:sp>
+      <p:pic>
+        <p:nvPicPr>
+          <p:cNvPr id="59" name="" descr=""/>
+          <p:cNvPicPr/>
+          <p:nvPr/>
+        </p:nvPicPr>
+        <p:blipFill>
+          <a:blip r:embed="rId1"/>
+          <a:stretch/>
+        </p:blipFill>
+        <p:spPr>
+          <a:xfrm>
+            <a:off x="2156760" y="-360"/>
+            <a:ext cx="5754600" cy="5670360"/>
+          </a:xfrm>
+          <a:prstGeom prst="rect">
+            <a:avLst/>
+          </a:prstGeom>
+          <a:ln>
+            <a:noFill/>
+          </a:ln>
+        </p:spPr>
+      </p:pic>
     </p:spTree>
   </p:cSld>
   <mc:AlternateContent>
@@ -2106,7 +2152,7 @@
       </p:grpSpPr>
       <p:sp>
         <p:nvSpPr>
-          <p:cNvPr id="52" name="CustomShape 1"/>
+          <p:cNvPr id="60" name="CustomShape 1"/>
           <p:cNvSpPr/>
           <p:nvPr/>
         </p:nvSpPr>
@@ -2155,6 +2201,29 @@
           </a:p>
         </p:txBody>
       </p:sp>
+      <p:pic>
+        <p:nvPicPr>
+          <p:cNvPr id="61" name="" descr=""/>
+          <p:cNvPicPr/>
+          <p:nvPr/>
+        </p:nvPicPr>
+        <p:blipFill>
+          <a:blip r:embed="rId1"/>
+          <a:stretch/>
+        </p:blipFill>
+        <p:spPr>
+          <a:xfrm>
+            <a:off x="2220480" y="-360"/>
+            <a:ext cx="5627160" cy="5670360"/>
+          </a:xfrm>
+          <a:prstGeom prst="rect">
+            <a:avLst/>
+          </a:prstGeom>
+          <a:ln>
+            <a:noFill/>
+          </a:ln>
+        </p:spPr>
+      </p:pic>
     </p:spTree>
   </p:cSld>
   <mc:AlternateContent>
@@ -2187,7 +2256,7 @@
       </p:grpSpPr>
       <p:sp>
         <p:nvSpPr>
-          <p:cNvPr id="53" name="CustomShape 1"/>
+          <p:cNvPr id="62" name="CustomShape 1"/>
           <p:cNvSpPr/>
           <p:nvPr/>
         </p:nvSpPr>
@@ -2236,6 +2305,29 @@
           </a:p>
         </p:txBody>
       </p:sp>
+      <p:pic>
+        <p:nvPicPr>
+          <p:cNvPr id="63" name="" descr=""/>
+          <p:cNvPicPr/>
+          <p:nvPr/>
+        </p:nvPicPr>
+        <p:blipFill>
+          <a:blip r:embed="rId1"/>
+          <a:stretch/>
+        </p:blipFill>
+        <p:spPr>
+          <a:xfrm>
+            <a:off x="2237400" y="-360"/>
+            <a:ext cx="5593680" cy="5670360"/>
+          </a:xfrm>
+          <a:prstGeom prst="rect">
+            <a:avLst/>
+          </a:prstGeom>
+          <a:ln>
+            <a:noFill/>
+          </a:ln>
+        </p:spPr>
+      </p:pic>
     </p:spTree>
   </p:cSld>
   <mc:AlternateContent>
@@ -2268,7 +2360,7 @@
       </p:grpSpPr>
       <p:sp>
         <p:nvSpPr>
-          <p:cNvPr id="54" name="CustomShape 1"/>
+          <p:cNvPr id="64" name="CustomShape 1"/>
           <p:cNvSpPr/>
           <p:nvPr/>
         </p:nvSpPr>
@@ -2317,6 +2409,29 @@
           </a:p>
         </p:txBody>
       </p:sp>
+      <p:pic>
+        <p:nvPicPr>
+          <p:cNvPr id="65" name="" descr=""/>
+          <p:cNvPicPr/>
+          <p:nvPr/>
+        </p:nvPicPr>
+        <p:blipFill>
+          <a:blip r:embed="rId1"/>
+          <a:stretch/>
+        </p:blipFill>
+        <p:spPr>
+          <a:xfrm>
+            <a:off x="2314080" y="-360"/>
+            <a:ext cx="5439960" cy="5670360"/>
+          </a:xfrm>
+          <a:prstGeom prst="rect">
+            <a:avLst/>
+          </a:prstGeom>
+          <a:ln>
+            <a:noFill/>
+          </a:ln>
+        </p:spPr>
+      </p:pic>
     </p:spTree>
   </p:cSld>
   <mc:AlternateContent>
@@ -2349,7 +2464,7 @@
       </p:grpSpPr>
       <p:sp>
         <p:nvSpPr>
-          <p:cNvPr id="55" name="CustomShape 1"/>
+          <p:cNvPr id="66" name="CustomShape 1"/>
           <p:cNvSpPr/>
           <p:nvPr/>
         </p:nvSpPr>
@@ -2398,6 +2513,29 @@
           </a:p>
         </p:txBody>
       </p:sp>
+      <p:pic>
+        <p:nvPicPr>
+          <p:cNvPr id="67" name="" descr=""/>
+          <p:cNvPicPr/>
+          <p:nvPr/>
+        </p:nvPicPr>
+        <p:blipFill>
+          <a:blip r:embed="rId1"/>
+          <a:stretch/>
+        </p:blipFill>
+        <p:spPr>
+          <a:xfrm>
+            <a:off x="2414160" y="-360"/>
+            <a:ext cx="5239800" cy="5670360"/>
+          </a:xfrm>
+          <a:prstGeom prst="rect">
+            <a:avLst/>
+          </a:prstGeom>
+          <a:ln>
+            <a:noFill/>
+          </a:ln>
+        </p:spPr>
+      </p:pic>
     </p:spTree>
   </p:cSld>
   <mc:AlternateContent>
@@ -2430,7 +2568,7 @@
       </p:grpSpPr>
       <p:sp>
         <p:nvSpPr>
-          <p:cNvPr id="56" name="CustomShape 1"/>
+          <p:cNvPr id="68" name="CustomShape 1"/>
           <p:cNvSpPr/>
           <p:nvPr/>
         </p:nvSpPr>
@@ -2479,6 +2617,29 @@
           </a:p>
         </p:txBody>
       </p:sp>
+      <p:pic>
+        <p:nvPicPr>
+          <p:cNvPr id="69" name="" descr=""/>
+          <p:cNvPicPr/>
+          <p:nvPr/>
+        </p:nvPicPr>
+        <p:blipFill>
+          <a:blip r:embed="rId1"/>
+          <a:stretch/>
+        </p:blipFill>
+        <p:spPr>
+          <a:xfrm>
+            <a:off x="2178000" y="-360"/>
+            <a:ext cx="5712480" cy="5670360"/>
+          </a:xfrm>
+          <a:prstGeom prst="rect">
+            <a:avLst/>
+          </a:prstGeom>
+          <a:ln>
+            <a:noFill/>
+          </a:ln>
+        </p:spPr>
+      </p:pic>
     </p:spTree>
   </p:cSld>
   <mc:AlternateContent>
@@ -2511,7 +2672,7 @@
       </p:grpSpPr>
       <p:sp>
         <p:nvSpPr>
-          <p:cNvPr id="57" name="CustomShape 1"/>
+          <p:cNvPr id="70" name="CustomShape 1"/>
           <p:cNvSpPr/>
           <p:nvPr/>
         </p:nvSpPr>
@@ -2552,7 +2713,7 @@
                 <a:latin typeface="Arial"/>
                 <a:ea typeface="DejaVu Sans"/>
               </a:rPr>
-              <a:t>COCITATION BERDASARKAN AFILIASI</a:t>
+              <a:t>CITATION BERDASARKAN AFILIASI</a:t>
             </a:r>
             <a:endParaRPr b="0" lang="en-ID" sz="4400" spc="-1" strike="noStrike">
               <a:latin typeface="Arial"/>
@@ -2592,7 +2753,7 @@
       </p:grpSpPr>
       <p:sp>
         <p:nvSpPr>
-          <p:cNvPr id="58" name="CustomShape 1"/>
+          <p:cNvPr id="71" name="CustomShape 1"/>
           <p:cNvSpPr/>
           <p:nvPr/>
         </p:nvSpPr>
@@ -2754,7 +2915,7 @@
       </p:grpSpPr>
       <p:sp>
         <p:nvSpPr>
-          <p:cNvPr id="59" name="CustomShape 1"/>
+          <p:cNvPr id="72" name="CustomShape 1"/>
           <p:cNvSpPr/>
           <p:nvPr/>
         </p:nvSpPr>
@@ -2835,7 +2996,7 @@
       </p:grpSpPr>
       <p:sp>
         <p:nvSpPr>
-          <p:cNvPr id="60" name="CustomShape 1"/>
+          <p:cNvPr id="73" name="CustomShape 1"/>
           <p:cNvSpPr/>
           <p:nvPr/>
         </p:nvSpPr>
@@ -2916,7 +3077,7 @@
       </p:grpSpPr>
       <p:sp>
         <p:nvSpPr>
-          <p:cNvPr id="61" name="CustomShape 1"/>
+          <p:cNvPr id="74" name="CustomShape 1"/>
           <p:cNvSpPr/>
           <p:nvPr/>
         </p:nvSpPr>
@@ -2997,7 +3158,7 @@
       </p:grpSpPr>
       <p:sp>
         <p:nvSpPr>
-          <p:cNvPr id="62" name="CustomShape 1"/>
+          <p:cNvPr id="75" name="CustomShape 1"/>
           <p:cNvSpPr/>
           <p:nvPr/>
         </p:nvSpPr>
@@ -3078,7 +3239,7 @@
       </p:grpSpPr>
       <p:sp>
         <p:nvSpPr>
-          <p:cNvPr id="63" name="CustomShape 1"/>
+          <p:cNvPr id="76" name="CustomShape 1"/>
           <p:cNvSpPr/>
           <p:nvPr/>
         </p:nvSpPr>
@@ -3159,7 +3320,7 @@
       </p:grpSpPr>
       <p:sp>
         <p:nvSpPr>
-          <p:cNvPr id="64" name="CustomShape 1"/>
+          <p:cNvPr id="77" name="CustomShape 1"/>
           <p:cNvSpPr/>
           <p:nvPr/>
         </p:nvSpPr>
@@ -3393,6 +3554,29 @@
           </a:p>
         </p:txBody>
       </p:sp>
+      <p:pic>
+        <p:nvPicPr>
+          <p:cNvPr id="44" name="" descr=""/>
+          <p:cNvPicPr/>
+          <p:nvPr/>
+        </p:nvPicPr>
+        <p:blipFill>
+          <a:blip r:embed="rId1"/>
+          <a:stretch/>
+        </p:blipFill>
+        <p:spPr>
+          <a:xfrm>
+            <a:off x="2315520" y="-360"/>
+            <a:ext cx="6013080" cy="5670360"/>
+          </a:xfrm>
+          <a:prstGeom prst="rect">
+            <a:avLst/>
+          </a:prstGeom>
+          <a:ln>
+            <a:noFill/>
+          </a:ln>
+        </p:spPr>
+      </p:pic>
     </p:spTree>
   </p:cSld>
   <mc:AlternateContent>
@@ -3425,7 +3609,7 @@
       </p:grpSpPr>
       <p:sp>
         <p:nvSpPr>
-          <p:cNvPr id="44" name="CustomShape 1"/>
+          <p:cNvPr id="45" name="CustomShape 1"/>
           <p:cNvSpPr/>
           <p:nvPr/>
         </p:nvSpPr>
@@ -3474,6 +3658,29 @@
           </a:p>
         </p:txBody>
       </p:sp>
+      <p:pic>
+        <p:nvPicPr>
+          <p:cNvPr id="46" name="" descr=""/>
+          <p:cNvPicPr/>
+          <p:nvPr/>
+        </p:nvPicPr>
+        <p:blipFill>
+          <a:blip r:embed="rId1"/>
+          <a:stretch/>
+        </p:blipFill>
+        <p:spPr>
+          <a:xfrm>
+            <a:off x="2069280" y="-360"/>
+            <a:ext cx="5929920" cy="5670360"/>
+          </a:xfrm>
+          <a:prstGeom prst="rect">
+            <a:avLst/>
+          </a:prstGeom>
+          <a:ln>
+            <a:noFill/>
+          </a:ln>
+        </p:spPr>
+      </p:pic>
     </p:spTree>
   </p:cSld>
   <mc:AlternateContent>
@@ -3506,7 +3713,7 @@
       </p:grpSpPr>
       <p:sp>
         <p:nvSpPr>
-          <p:cNvPr id="45" name="CustomShape 1"/>
+          <p:cNvPr id="47" name="CustomShape 1"/>
           <p:cNvSpPr/>
           <p:nvPr/>
         </p:nvSpPr>
@@ -3555,6 +3762,29 @@
           </a:p>
         </p:txBody>
       </p:sp>
+      <p:pic>
+        <p:nvPicPr>
+          <p:cNvPr id="48" name="" descr=""/>
+          <p:cNvPicPr/>
+          <p:nvPr/>
+        </p:nvPicPr>
+        <p:blipFill>
+          <a:blip r:embed="rId1"/>
+          <a:stretch/>
+        </p:blipFill>
+        <p:spPr>
+          <a:xfrm>
+            <a:off x="2504520" y="-360"/>
+            <a:ext cx="5923440" cy="5670360"/>
+          </a:xfrm>
+          <a:prstGeom prst="rect">
+            <a:avLst/>
+          </a:prstGeom>
+          <a:ln>
+            <a:noFill/>
+          </a:ln>
+        </p:spPr>
+      </p:pic>
     </p:spTree>
   </p:cSld>
   <mc:AlternateContent>
@@ -3587,7 +3817,7 @@
       </p:grpSpPr>
       <p:sp>
         <p:nvSpPr>
-          <p:cNvPr id="46" name="CustomShape 1"/>
+          <p:cNvPr id="49" name="CustomShape 1"/>
           <p:cNvSpPr/>
           <p:nvPr/>
         </p:nvSpPr>
@@ -3636,6 +3866,29 @@
           </a:p>
         </p:txBody>
       </p:sp>
+      <p:pic>
+        <p:nvPicPr>
+          <p:cNvPr id="50" name="" descr=""/>
+          <p:cNvPicPr/>
+          <p:nvPr/>
+        </p:nvPicPr>
+        <p:blipFill>
+          <a:blip r:embed="rId1"/>
+          <a:stretch/>
+        </p:blipFill>
+        <p:spPr>
+          <a:xfrm>
+            <a:off x="2284560" y="-360"/>
+            <a:ext cx="5859000" cy="5670360"/>
+          </a:xfrm>
+          <a:prstGeom prst="rect">
+            <a:avLst/>
+          </a:prstGeom>
+          <a:ln>
+            <a:noFill/>
+          </a:ln>
+        </p:spPr>
+      </p:pic>
     </p:spTree>
   </p:cSld>
   <mc:AlternateContent>
@@ -3668,7 +3921,7 @@
       </p:grpSpPr>
       <p:sp>
         <p:nvSpPr>
-          <p:cNvPr id="47" name="CustomShape 1"/>
+          <p:cNvPr id="51" name="CustomShape 1"/>
           <p:cNvSpPr/>
           <p:nvPr/>
         </p:nvSpPr>
@@ -3717,6 +3970,29 @@
           </a:p>
         </p:txBody>
       </p:sp>
+      <p:pic>
+        <p:nvPicPr>
+          <p:cNvPr id="52" name="" descr=""/>
+          <p:cNvPicPr/>
+          <p:nvPr/>
+        </p:nvPicPr>
+        <p:blipFill>
+          <a:blip r:embed="rId1"/>
+          <a:stretch/>
+        </p:blipFill>
+        <p:spPr>
+          <a:xfrm>
+            <a:off x="2110680" y="-360"/>
+            <a:ext cx="5847120" cy="5670360"/>
+          </a:xfrm>
+          <a:prstGeom prst="rect">
+            <a:avLst/>
+          </a:prstGeom>
+          <a:ln>
+            <a:noFill/>
+          </a:ln>
+        </p:spPr>
+      </p:pic>
     </p:spTree>
   </p:cSld>
   <mc:AlternateContent>
@@ -3749,7 +4025,7 @@
       </p:grpSpPr>
       <p:sp>
         <p:nvSpPr>
-          <p:cNvPr id="48" name="CustomShape 1"/>
+          <p:cNvPr id="53" name="CustomShape 1"/>
           <p:cNvSpPr/>
           <p:nvPr/>
         </p:nvSpPr>
@@ -3798,6 +4074,29 @@
           </a:p>
         </p:txBody>
       </p:sp>
+      <p:pic>
+        <p:nvPicPr>
+          <p:cNvPr id="54" name="" descr=""/>
+          <p:cNvPicPr/>
+          <p:nvPr/>
+        </p:nvPicPr>
+        <p:blipFill>
+          <a:blip r:embed="rId1"/>
+          <a:stretch/>
+        </p:blipFill>
+        <p:spPr>
+          <a:xfrm>
+            <a:off x="2369880" y="-360"/>
+            <a:ext cx="5976720" cy="5670360"/>
+          </a:xfrm>
+          <a:prstGeom prst="rect">
+            <a:avLst/>
+          </a:prstGeom>
+          <a:ln>
+            <a:noFill/>
+          </a:ln>
+        </p:spPr>
+      </p:pic>
     </p:spTree>
   </p:cSld>
   <mc:AlternateContent>
